--- a/w02/W02_.pptx
+++ b/w02/W02_.pptx
@@ -10,6 +10,8 @@
     <p:sldId id="272" r:id="rId4"/>
     <p:sldId id="273" r:id="rId5"/>
     <p:sldId id="274" r:id="rId6"/>
+    <p:sldId id="275" r:id="rId7"/>
+    <p:sldId id="276" r:id="rId8"/>
   </p:sldIdLst>
   <p:sldSz cx="9144000" cy="6858000" type="screen4x3"/>
   <p:notesSz cx="6888163" cy="10020300"/>
@@ -402,7 +404,8 @@
           <a:p>
             <a:fld id="{5BBEAD13-0566-4C6C-97E7-55F17F24B09F}" type="datetimeFigureOut">
               <a:rPr lang="zh-TW" altLang="en-US" smtClean="0"/>
-              <a:t>2022/3/4</a:t>
+              <a:pPr/>
+              <a:t>2022/8/30</a:t>
             </a:fld>
             <a:endParaRPr lang="zh-TW" altLang="en-US"/>
           </a:p>
@@ -470,6 +473,7 @@
           <a:p>
             <a:fld id="{73DA0BB7-265A-403C-9275-D587AB510EDC}" type="slidenum">
               <a:rPr lang="zh-TW" altLang="en-US" smtClean="0"/>
+              <a:pPr/>
               <a:t>‹#›</a:t>
             </a:fld>
             <a:endParaRPr lang="zh-TW" altLang="en-US"/>
@@ -593,7 +597,8 @@
           <a:p>
             <a:fld id="{5BBEAD13-0566-4C6C-97E7-55F17F24B09F}" type="datetimeFigureOut">
               <a:rPr lang="zh-TW" altLang="en-US" smtClean="0"/>
-              <a:t>2022/3/4</a:t>
+              <a:pPr/>
+              <a:t>2022/8/30</a:t>
             </a:fld>
             <a:endParaRPr lang="zh-TW" altLang="en-US"/>
           </a:p>
@@ -635,6 +640,7 @@
           <a:p>
             <a:fld id="{73DA0BB7-265A-403C-9275-D587AB510EDC}" type="slidenum">
               <a:rPr lang="zh-TW" altLang="en-US" smtClean="0"/>
+              <a:pPr/>
               <a:t>‹#›</a:t>
             </a:fld>
             <a:endParaRPr lang="zh-TW" altLang="en-US"/>
@@ -778,7 +784,8 @@
           <a:p>
             <a:fld id="{5BBEAD13-0566-4C6C-97E7-55F17F24B09F}" type="datetimeFigureOut">
               <a:rPr lang="zh-TW" altLang="en-US" smtClean="0"/>
-              <a:t>2022/3/4</a:t>
+              <a:pPr/>
+              <a:t>2022/8/30</a:t>
             </a:fld>
             <a:endParaRPr lang="zh-TW" altLang="en-US"/>
           </a:p>
@@ -965,6 +972,7 @@
           <a:p>
             <a:fld id="{73DA0BB7-265A-403C-9275-D587AB510EDC}" type="slidenum">
               <a:rPr lang="zh-TW" altLang="en-US" smtClean="0"/>
+              <a:pPr/>
               <a:t>‹#›</a:t>
             </a:fld>
             <a:endParaRPr lang="zh-TW" altLang="en-US"/>
@@ -1041,7 +1049,8 @@
           <a:p>
             <a:fld id="{5BBEAD13-0566-4C6C-97E7-55F17F24B09F}" type="datetimeFigureOut">
               <a:rPr lang="zh-TW" altLang="en-US" smtClean="0"/>
-              <a:t>2022/3/4</a:t>
+              <a:pPr/>
+              <a:t>2022/8/30</a:t>
             </a:fld>
             <a:endParaRPr lang="zh-TW" altLang="en-US"/>
           </a:p>
@@ -1091,6 +1100,7 @@
           <a:p>
             <a:fld id="{73DA0BB7-265A-403C-9275-D587AB510EDC}" type="slidenum">
               <a:rPr lang="zh-TW" altLang="en-US" smtClean="0"/>
+              <a:pPr/>
               <a:t>‹#›</a:t>
             </a:fld>
             <a:endParaRPr lang="zh-TW" altLang="en-US"/>
@@ -1457,7 +1467,8 @@
           <a:p>
             <a:fld id="{5BBEAD13-0566-4C6C-97E7-55F17F24B09F}" type="datetimeFigureOut">
               <a:rPr lang="zh-TW" altLang="en-US" smtClean="0"/>
-              <a:t>2022/3/4</a:t>
+              <a:pPr/>
+              <a:t>2022/8/30</a:t>
             </a:fld>
             <a:endParaRPr lang="zh-TW" altLang="en-US"/>
           </a:p>
@@ -1495,6 +1506,7 @@
           <a:p>
             <a:fld id="{73DA0BB7-265A-403C-9275-D587AB510EDC}" type="slidenum">
               <a:rPr lang="zh-TW" altLang="en-US" smtClean="0"/>
+              <a:pPr/>
               <a:t>‹#›</a:t>
             </a:fld>
             <a:endParaRPr lang="zh-TW" altLang="en-US"/>
@@ -1699,7 +1711,8 @@
           <a:p>
             <a:fld id="{5BBEAD13-0566-4C6C-97E7-55F17F24B09F}" type="datetimeFigureOut">
               <a:rPr lang="zh-TW" altLang="en-US" smtClean="0"/>
-              <a:t>2022/3/4</a:t>
+              <a:pPr/>
+              <a:t>2022/8/30</a:t>
             </a:fld>
             <a:endParaRPr lang="zh-TW" altLang="en-US"/>
           </a:p>
@@ -1722,6 +1735,7 @@
           <a:p>
             <a:fld id="{73DA0BB7-265A-403C-9275-D587AB510EDC}" type="slidenum">
               <a:rPr lang="zh-TW" altLang="en-US" smtClean="0"/>
+              <a:pPr/>
               <a:t>‹#›</a:t>
             </a:fld>
             <a:endParaRPr lang="zh-TW" altLang="en-US"/>
@@ -1935,7 +1949,8 @@
           <a:p>
             <a:fld id="{5BBEAD13-0566-4C6C-97E7-55F17F24B09F}" type="datetimeFigureOut">
               <a:rPr lang="zh-TW" altLang="en-US" smtClean="0"/>
-              <a:t>2022/3/4</a:t>
+              <a:pPr/>
+              <a:t>2022/8/30</a:t>
             </a:fld>
             <a:endParaRPr lang="zh-TW" altLang="en-US"/>
           </a:p>
@@ -1958,6 +1973,7 @@
           <a:p>
             <a:fld id="{73DA0BB7-265A-403C-9275-D587AB510EDC}" type="slidenum">
               <a:rPr lang="zh-TW" altLang="en-US" smtClean="0"/>
+              <a:pPr/>
               <a:t>‹#›</a:t>
             </a:fld>
             <a:endParaRPr lang="zh-TW" altLang="en-US"/>
@@ -2130,7 +2146,8 @@
           <a:p>
             <a:fld id="{5BBEAD13-0566-4C6C-97E7-55F17F24B09F}" type="datetimeFigureOut">
               <a:rPr lang="zh-TW" altLang="en-US" smtClean="0"/>
-              <a:t>2022/3/4</a:t>
+              <a:pPr/>
+              <a:t>2022/8/30</a:t>
             </a:fld>
             <a:endParaRPr lang="zh-TW" altLang="en-US"/>
           </a:p>
@@ -2180,6 +2197,7 @@
           <a:p>
             <a:fld id="{73DA0BB7-265A-403C-9275-D587AB510EDC}" type="slidenum">
               <a:rPr lang="zh-TW" altLang="en-US" smtClean="0"/>
+              <a:pPr/>
               <a:t>‹#›</a:t>
             </a:fld>
             <a:endParaRPr lang="zh-TW" altLang="en-US"/>
@@ -2228,7 +2246,8 @@
           <a:p>
             <a:fld id="{5BBEAD13-0566-4C6C-97E7-55F17F24B09F}" type="datetimeFigureOut">
               <a:rPr lang="zh-TW" altLang="en-US" smtClean="0"/>
-              <a:t>2022/3/4</a:t>
+              <a:pPr/>
+              <a:t>2022/8/30</a:t>
             </a:fld>
             <a:endParaRPr lang="zh-TW" altLang="en-US"/>
           </a:p>
@@ -2283,6 +2302,7 @@
           <a:p>
             <a:fld id="{73DA0BB7-265A-403C-9275-D587AB510EDC}" type="slidenum">
               <a:rPr lang="zh-TW" altLang="en-US" smtClean="0"/>
+              <a:pPr/>
               <a:t>‹#›</a:t>
             </a:fld>
             <a:endParaRPr lang="zh-TW" altLang="en-US"/>
@@ -2364,7 +2384,8 @@
           <a:p>
             <a:fld id="{5BBEAD13-0566-4C6C-97E7-55F17F24B09F}" type="datetimeFigureOut">
               <a:rPr lang="zh-TW" altLang="en-US" smtClean="0"/>
-              <a:t>2022/3/4</a:t>
+              <a:pPr/>
+              <a:t>2022/8/30</a:t>
             </a:fld>
             <a:endParaRPr lang="zh-TW" altLang="en-US"/>
           </a:p>
@@ -2414,6 +2435,7 @@
           <a:p>
             <a:fld id="{73DA0BB7-265A-403C-9275-D587AB510EDC}" type="slidenum">
               <a:rPr lang="zh-TW" altLang="en-US" smtClean="0"/>
+              <a:pPr/>
               <a:t>‹#›</a:t>
             </a:fld>
             <a:endParaRPr lang="zh-TW" altLang="en-US"/>
@@ -2882,7 +2904,8 @@
           <a:p>
             <a:fld id="{5BBEAD13-0566-4C6C-97E7-55F17F24B09F}" type="datetimeFigureOut">
               <a:rPr lang="zh-TW" altLang="en-US" smtClean="0"/>
-              <a:t>2022/3/4</a:t>
+              <a:pPr/>
+              <a:t>2022/8/30</a:t>
             </a:fld>
             <a:endParaRPr lang="zh-TW" altLang="en-US"/>
           </a:p>
@@ -2914,6 +2937,7 @@
           <a:p>
             <a:fld id="{73DA0BB7-265A-403C-9275-D587AB510EDC}" type="slidenum">
               <a:rPr lang="zh-TW" altLang="en-US" smtClean="0"/>
+              <a:pPr/>
               <a:t>‹#›</a:t>
             </a:fld>
             <a:endParaRPr lang="zh-TW" altLang="en-US"/>
@@ -3143,7 +3167,8 @@
           <a:p>
             <a:fld id="{5BBEAD13-0566-4C6C-97E7-55F17F24B09F}" type="datetimeFigureOut">
               <a:rPr lang="zh-TW" altLang="en-US" smtClean="0"/>
-              <a:t>2022/3/4</a:t>
+              <a:pPr/>
+              <a:t>2022/8/30</a:t>
             </a:fld>
             <a:endParaRPr lang="zh-TW" altLang="en-US"/>
           </a:p>
@@ -3361,6 +3386,7 @@
           <a:p>
             <a:fld id="{73DA0BB7-265A-403C-9275-D587AB510EDC}" type="slidenum">
               <a:rPr lang="zh-TW" altLang="en-US" smtClean="0"/>
+              <a:pPr/>
               <a:t>‹#›</a:t>
             </a:fld>
             <a:endParaRPr lang="zh-TW" altLang="en-US"/>
@@ -3743,7 +3769,7 @@
     </p:spTree>
     <p:extLst>
       <p:ext uri="{BB962C8B-B14F-4D97-AF65-F5344CB8AC3E}">
-        <p14:creationId xmlns:p14="http://schemas.microsoft.com/office/powerpoint/2010/main" val="907554520"/>
+        <p14:creationId xmlns:p14="http://schemas.microsoft.com/office/powerpoint/2010/main" xmlns="" val="907554520"/>
       </p:ext>
     </p:extLst>
   </p:cSld>
@@ -3880,7 +3906,7 @@
     </p:spTree>
     <p:extLst>
       <p:ext uri="{BB962C8B-B14F-4D97-AF65-F5344CB8AC3E}">
-        <p14:creationId xmlns:p14="http://schemas.microsoft.com/office/powerpoint/2010/main" val="3063263756"/>
+        <p14:creationId xmlns:p14="http://schemas.microsoft.com/office/powerpoint/2010/main" xmlns="" val="3063263756"/>
       </p:ext>
     </p:extLst>
   </p:cSld>
@@ -3982,7 +4008,7 @@
     </p:spTree>
     <p:extLst>
       <p:ext uri="{BB962C8B-B14F-4D97-AF65-F5344CB8AC3E}">
-        <p14:creationId xmlns:p14="http://schemas.microsoft.com/office/powerpoint/2010/main" val="2387432254"/>
+        <p14:creationId xmlns:p14="http://schemas.microsoft.com/office/powerpoint/2010/main" xmlns="" val="2387432254"/>
       </p:ext>
     </p:extLst>
   </p:cSld>
@@ -4116,7 +4142,7 @@
     </p:spTree>
     <p:extLst>
       <p:ext uri="{BB962C8B-B14F-4D97-AF65-F5344CB8AC3E}">
-        <p14:creationId xmlns:p14="http://schemas.microsoft.com/office/powerpoint/2010/main" val="2404782950"/>
+        <p14:creationId xmlns:p14="http://schemas.microsoft.com/office/powerpoint/2010/main" xmlns="" val="2404782950"/>
       </p:ext>
     </p:extLst>
   </p:cSld>
@@ -4261,7 +4287,357 @@
     </p:spTree>
     <p:extLst>
       <p:ext uri="{BB962C8B-B14F-4D97-AF65-F5344CB8AC3E}">
-        <p14:creationId xmlns:p14="http://schemas.microsoft.com/office/powerpoint/2010/main" val="1947158237"/>
+        <p14:creationId xmlns:p14="http://schemas.microsoft.com/office/powerpoint/2010/main" xmlns="" val="1947158237"/>
+      </p:ext>
+    </p:extLst>
+  </p:cSld>
+  <p:clrMapOvr>
+    <a:masterClrMapping/>
+  </p:clrMapOvr>
+</p:sld>
+</file>
+
+<file path=ppt/slides/slide6.xml><?xml version="1.0" encoding="utf-8"?>
+<p:sld xmlns:a="http://schemas.openxmlformats.org/drawingml/2006/main" xmlns:r="http://schemas.openxmlformats.org/officeDocument/2006/relationships" xmlns:p="http://schemas.openxmlformats.org/presentationml/2006/main">
+  <p:cSld>
+    <p:spTree>
+      <p:nvGrpSpPr>
+        <p:cNvPr id="1" name=""/>
+        <p:cNvGrpSpPr/>
+        <p:nvPr/>
+      </p:nvGrpSpPr>
+      <p:grpSpPr>
+        <a:xfrm>
+          <a:off x="0" y="0"/>
+          <a:ext cx="0" cy="0"/>
+          <a:chOff x="0" y="0"/>
+          <a:chExt cx="0" cy="0"/>
+        </a:xfrm>
+      </p:grpSpPr>
+      <p:sp>
+        <p:nvSpPr>
+          <p:cNvPr id="2" name="標題 1"/>
+          <p:cNvSpPr>
+            <a:spLocks noGrp="1"/>
+          </p:cNvSpPr>
+          <p:nvPr>
+            <p:ph type="title"/>
+          </p:nvPr>
+        </p:nvSpPr>
+        <p:spPr/>
+        <p:txBody>
+          <a:bodyPr/>
+          <a:lstStyle/>
+          <a:p>
+            <a:r>
+              <a:rPr lang="zh-TW" altLang="en-US" dirty="0" smtClean="0"/>
+              <a:t>練習題</a:t>
+            </a:r>
+            <a:r>
+              <a:rPr lang="en-US" altLang="zh-TW" dirty="0" smtClean="0"/>
+              <a:t>: </a:t>
+            </a:r>
+            <a:endParaRPr lang="zh-TW" altLang="en-US" dirty="0"/>
+          </a:p>
+        </p:txBody>
+      </p:sp>
+      <p:sp>
+        <p:nvSpPr>
+          <p:cNvPr id="3" name="內容版面配置區 2"/>
+          <p:cNvSpPr>
+            <a:spLocks noGrp="1"/>
+          </p:cNvSpPr>
+          <p:nvPr>
+            <p:ph sz="quarter" idx="1"/>
+          </p:nvPr>
+        </p:nvSpPr>
+        <p:spPr>
+          <a:xfrm>
+            <a:off x="612648" y="1600200"/>
+            <a:ext cx="4679432" cy="4495800"/>
+          </a:xfrm>
+        </p:spPr>
+        <p:txBody>
+          <a:bodyPr/>
+          <a:lstStyle/>
+          <a:p>
+            <a:r>
+              <a:rPr lang="zh-TW" altLang="zh-TW" dirty="0" smtClean="0"/>
+              <a:t>承</a:t>
+            </a:r>
+            <a:r>
+              <a:rPr lang="zh-TW" altLang="en-US" dirty="0" smtClean="0"/>
+              <a:t>之前的</a:t>
+            </a:r>
+            <a:r>
+              <a:rPr lang="en-US" altLang="zh-TW" dirty="0" smtClean="0"/>
+              <a:t>Demo</a:t>
+            </a:r>
+            <a:endParaRPr lang="en-US" altLang="zh-TW" dirty="0"/>
+          </a:p>
+          <a:p>
+            <a:r>
+              <a:rPr lang="zh-TW" altLang="en-US" dirty="0" smtClean="0"/>
+              <a:t>增加按鈕為</a:t>
+            </a:r>
+            <a:r>
+              <a:rPr lang="en-US" altLang="zh-TW" dirty="0" smtClean="0"/>
+              <a:t>4</a:t>
+            </a:r>
+            <a:r>
+              <a:rPr lang="zh-TW" altLang="en-US" dirty="0" smtClean="0"/>
+              <a:t>個，並加入</a:t>
+            </a:r>
+            <a:r>
+              <a:rPr lang="en-US" altLang="zh-TW" dirty="0" smtClean="0"/>
+              <a:t>4</a:t>
+            </a:r>
+            <a:r>
+              <a:rPr lang="zh-TW" altLang="en-US" dirty="0" smtClean="0"/>
+              <a:t>張</a:t>
+            </a:r>
+            <a:r>
+              <a:rPr lang="zh-TW" altLang="zh-TW" dirty="0" smtClean="0"/>
+              <a:t>圖片</a:t>
+            </a:r>
+            <a:endParaRPr lang="en-US" altLang="zh-TW" dirty="0" smtClean="0"/>
+          </a:p>
+          <a:p>
+            <a:r>
+              <a:rPr lang="zh-TW" altLang="en-US" dirty="0" smtClean="0"/>
+              <a:t>按下按鈕時，</a:t>
+            </a:r>
+            <a:r>
+              <a:rPr lang="zh-TW" altLang="zh-TW" dirty="0" smtClean="0"/>
+              <a:t>切換</a:t>
+            </a:r>
+            <a:r>
+              <a:rPr lang="zh-TW" altLang="en-US" dirty="0" smtClean="0"/>
+              <a:t>圖片跟</a:t>
+            </a:r>
+            <a:r>
+              <a:rPr lang="zh-TW" altLang="zh-TW" dirty="0" smtClean="0"/>
+              <a:t>顯示</a:t>
+            </a:r>
+            <a:r>
+              <a:rPr lang="zh-TW" altLang="zh-TW" dirty="0"/>
+              <a:t>的文字</a:t>
+            </a:r>
+            <a:endParaRPr lang="zh-TW" altLang="en-US" dirty="0"/>
+          </a:p>
+        </p:txBody>
+      </p:sp>
+      <p:pic>
+        <p:nvPicPr>
+          <p:cNvPr id="4" name="圖片 3"/>
+          <p:cNvPicPr/>
+          <p:nvPr/>
+        </p:nvPicPr>
+        <p:blipFill>
+          <a:blip r:embed="rId2"/>
+          <a:stretch>
+            <a:fillRect/>
+          </a:stretch>
+        </p:blipFill>
+        <p:spPr>
+          <a:xfrm>
+            <a:off x="6084168" y="1556792"/>
+            <a:ext cx="2918976" cy="5194816"/>
+          </a:xfrm>
+          <a:prstGeom prst="rect">
+            <a:avLst/>
+          </a:prstGeom>
+        </p:spPr>
+      </p:pic>
+    </p:spTree>
+    <p:extLst>
+      <p:ext uri="{BB962C8B-B14F-4D97-AF65-F5344CB8AC3E}">
+        <p14:creationId xmlns:p14="http://schemas.microsoft.com/office/powerpoint/2010/main" xmlns="" val="2404782950"/>
+      </p:ext>
+    </p:extLst>
+  </p:cSld>
+  <p:clrMapOvr>
+    <a:masterClrMapping/>
+  </p:clrMapOvr>
+</p:sld>
+</file>
+
+<file path=ppt/slides/slide7.xml><?xml version="1.0" encoding="utf-8"?>
+<p:sld xmlns:a="http://schemas.openxmlformats.org/drawingml/2006/main" xmlns:r="http://schemas.openxmlformats.org/officeDocument/2006/relationships" xmlns:p="http://schemas.openxmlformats.org/presentationml/2006/main">
+  <p:cSld>
+    <p:spTree>
+      <p:nvGrpSpPr>
+        <p:cNvPr id="1" name=""/>
+        <p:cNvGrpSpPr/>
+        <p:nvPr/>
+      </p:nvGrpSpPr>
+      <p:grpSpPr>
+        <a:xfrm>
+          <a:off x="0" y="0"/>
+          <a:ext cx="0" cy="0"/>
+          <a:chOff x="0" y="0"/>
+          <a:chExt cx="0" cy="0"/>
+        </a:xfrm>
+      </p:grpSpPr>
+      <p:sp>
+        <p:nvSpPr>
+          <p:cNvPr id="2" name="標題 1"/>
+          <p:cNvSpPr>
+            <a:spLocks noGrp="1"/>
+          </p:cNvSpPr>
+          <p:nvPr>
+            <p:ph type="title"/>
+          </p:nvPr>
+        </p:nvSpPr>
+        <p:spPr/>
+        <p:txBody>
+          <a:bodyPr/>
+          <a:lstStyle/>
+          <a:p>
+            <a:r>
+              <a:rPr lang="zh-TW" altLang="en-US" dirty="0" smtClean="0"/>
+              <a:t>練習題</a:t>
+            </a:r>
+            <a:r>
+              <a:rPr lang="en-US" altLang="zh-TW" dirty="0" smtClean="0"/>
+              <a:t>2</a:t>
+            </a:r>
+            <a:r>
+              <a:rPr lang="en-US" altLang="zh-TW" dirty="0" smtClean="0"/>
+              <a:t>: </a:t>
+            </a:r>
+            <a:endParaRPr lang="zh-TW" altLang="en-US" dirty="0"/>
+          </a:p>
+        </p:txBody>
+      </p:sp>
+      <p:sp>
+        <p:nvSpPr>
+          <p:cNvPr id="3" name="內容版面配置區 2"/>
+          <p:cNvSpPr>
+            <a:spLocks noGrp="1"/>
+          </p:cNvSpPr>
+          <p:nvPr>
+            <p:ph sz="quarter" idx="1"/>
+          </p:nvPr>
+        </p:nvSpPr>
+        <p:spPr>
+          <a:xfrm>
+            <a:off x="612648" y="1600200"/>
+            <a:ext cx="4679432" cy="4495800"/>
+          </a:xfrm>
+        </p:spPr>
+        <p:txBody>
+          <a:bodyPr/>
+          <a:lstStyle/>
+          <a:p>
+            <a:r>
+              <a:rPr lang="zh-TW" altLang="zh-TW" dirty="0" smtClean="0"/>
+              <a:t>承</a:t>
+            </a:r>
+            <a:r>
+              <a:rPr lang="zh-TW" altLang="en-US" dirty="0" smtClean="0"/>
+              <a:t>之前的</a:t>
+            </a:r>
+            <a:r>
+              <a:rPr lang="en-US" altLang="zh-TW" dirty="0" smtClean="0"/>
+              <a:t>Demo</a:t>
+            </a:r>
+            <a:endParaRPr lang="en-US" altLang="zh-TW" dirty="0"/>
+          </a:p>
+          <a:p>
+            <a:r>
+              <a:rPr lang="zh-TW" altLang="en-US" dirty="0" smtClean="0"/>
+              <a:t>變更</a:t>
+            </a:r>
+            <a:r>
+              <a:rPr lang="en-US" altLang="zh-TW" dirty="0" smtClean="0"/>
+              <a:t>layout</a:t>
+            </a:r>
+            <a:r>
+              <a:rPr lang="zh-TW" altLang="en-US" dirty="0" smtClean="0"/>
+              <a:t>，</a:t>
+            </a:r>
+            <a:r>
+              <a:rPr lang="zh-TW" altLang="en-US" dirty="0" smtClean="0"/>
+              <a:t>讓圖片同時</a:t>
+            </a:r>
+            <a:r>
+              <a:rPr lang="zh-TW" altLang="en-US" dirty="0" smtClean="0"/>
+              <a:t>顯示</a:t>
+            </a:r>
+            <a:r>
+              <a:rPr lang="en-US" altLang="zh-TW" dirty="0" smtClean="0"/>
+              <a:t>4</a:t>
+            </a:r>
+            <a:r>
+              <a:rPr lang="zh-TW" altLang="en-US" dirty="0" smtClean="0"/>
+              <a:t>張</a:t>
+            </a:r>
+            <a:r>
+              <a:rPr lang="zh-TW" altLang="zh-TW" dirty="0" smtClean="0"/>
+              <a:t>圖片</a:t>
+            </a:r>
+            <a:endParaRPr lang="en-US" altLang="zh-TW" dirty="0" smtClean="0"/>
+          </a:p>
+          <a:p>
+            <a:r>
+              <a:rPr lang="zh-TW" altLang="en-US" dirty="0" smtClean="0"/>
+              <a:t>按下</a:t>
+            </a:r>
+            <a:r>
+              <a:rPr lang="zh-TW" altLang="en-US" dirty="0" smtClean="0"/>
+              <a:t>圖片</a:t>
+            </a:r>
+            <a:r>
+              <a:rPr lang="zh-TW" altLang="en-US" dirty="0" smtClean="0"/>
+              <a:t>時，</a:t>
+            </a:r>
+            <a:r>
+              <a:rPr lang="zh-TW" altLang="zh-TW" dirty="0" smtClean="0"/>
+              <a:t>切換顯示</a:t>
+            </a:r>
+            <a:r>
+              <a:rPr lang="zh-TW" altLang="zh-TW" dirty="0"/>
+              <a:t>的</a:t>
+            </a:r>
+            <a:r>
+              <a:rPr lang="zh-TW" altLang="zh-TW" dirty="0" smtClean="0"/>
+              <a:t>文字</a:t>
+            </a:r>
+            <a:r>
+              <a:rPr lang="zh-TW" altLang="en-US" dirty="0" smtClean="0"/>
+              <a:t>，並增加此動物的說明。</a:t>
+            </a:r>
+            <a:endParaRPr lang="zh-TW" altLang="en-US" dirty="0"/>
+          </a:p>
+        </p:txBody>
+      </p:sp>
+      <p:pic>
+        <p:nvPicPr>
+          <p:cNvPr id="4" name="圖片 3"/>
+          <p:cNvPicPr/>
+          <p:nvPr/>
+        </p:nvPicPr>
+        <p:blipFill>
+          <a:blip r:embed="rId2"/>
+          <a:stretch>
+            <a:fillRect/>
+          </a:stretch>
+        </p:blipFill>
+        <p:spPr>
+          <a:xfrm>
+            <a:off x="6084168" y="1556792"/>
+            <a:ext cx="2918976" cy="5194816"/>
+          </a:xfrm>
+          <a:prstGeom prst="rect">
+            <a:avLst/>
+          </a:prstGeom>
+        </p:spPr>
+      </p:pic>
+    </p:spTree>
+    <p:extLst>
+      <p:ext uri="{BB962C8B-B14F-4D97-AF65-F5344CB8AC3E}">
+        <p14:creationId xmlns:p14="http://schemas.microsoft.com/office/powerpoint/2010/main" xmlns="" val="2404782950"/>
       </p:ext>
     </p:extLst>
   </p:cSld>
